--- a/ITI/TF/Volume1/media/Figure_21.3.1-1.pptx
+++ b/ITI/TF/Volume1/media/Figure_21.3.1-1.pptx
@@ -104,6 +104,11 @@
       </a:defRPr>
     </a:lvl9pPr>
   </p:defaultTextStyle>
+  <p:extLst>
+    <p:ext uri="{EFAFB233-063F-42B5-8137-9DF3F51BA10A}">
+      <p15:sldGuideLst xmlns:p15="http://schemas.microsoft.com/office/powerpoint/2012/main"/>
+    </p:ext>
+  </p:extLst>
 </p:presentation>
 </file>
 
@@ -254,7 +259,7 @@
           <a:p>
             <a:fld id="{F495DD6A-D7CD-A84E-AF9E-C96DC67E2C2E}" type="datetimeFigureOut">
               <a:rPr lang="en-US" smtClean="0"/>
-              <a:t>8/12/20</a:t>
+              <a:t>8/25/20</a:t>
             </a:fld>
             <a:endParaRPr lang="en-US"/>
           </a:p>
@@ -452,7 +457,7 @@
           <a:p>
             <a:fld id="{F495DD6A-D7CD-A84E-AF9E-C96DC67E2C2E}" type="datetimeFigureOut">
               <a:rPr lang="en-US" smtClean="0"/>
-              <a:t>8/12/20</a:t>
+              <a:t>8/25/20</a:t>
             </a:fld>
             <a:endParaRPr lang="en-US"/>
           </a:p>
@@ -660,7 +665,7 @@
           <a:p>
             <a:fld id="{F495DD6A-D7CD-A84E-AF9E-C96DC67E2C2E}" type="datetimeFigureOut">
               <a:rPr lang="en-US" smtClean="0"/>
-              <a:t>8/12/20</a:t>
+              <a:t>8/25/20</a:t>
             </a:fld>
             <a:endParaRPr lang="en-US"/>
           </a:p>
@@ -858,7 +863,7 @@
           <a:p>
             <a:fld id="{F495DD6A-D7CD-A84E-AF9E-C96DC67E2C2E}" type="datetimeFigureOut">
               <a:rPr lang="en-US" smtClean="0"/>
-              <a:t>8/12/20</a:t>
+              <a:t>8/25/20</a:t>
             </a:fld>
             <a:endParaRPr lang="en-US"/>
           </a:p>
@@ -1133,7 +1138,7 @@
           <a:p>
             <a:fld id="{F495DD6A-D7CD-A84E-AF9E-C96DC67E2C2E}" type="datetimeFigureOut">
               <a:rPr lang="en-US" smtClean="0"/>
-              <a:t>8/12/20</a:t>
+              <a:t>8/25/20</a:t>
             </a:fld>
             <a:endParaRPr lang="en-US"/>
           </a:p>
@@ -1398,7 +1403,7 @@
           <a:p>
             <a:fld id="{F495DD6A-D7CD-A84E-AF9E-C96DC67E2C2E}" type="datetimeFigureOut">
               <a:rPr lang="en-US" smtClean="0"/>
-              <a:t>8/12/20</a:t>
+              <a:t>8/25/20</a:t>
             </a:fld>
             <a:endParaRPr lang="en-US"/>
           </a:p>
@@ -1810,7 +1815,7 @@
           <a:p>
             <a:fld id="{F495DD6A-D7CD-A84E-AF9E-C96DC67E2C2E}" type="datetimeFigureOut">
               <a:rPr lang="en-US" smtClean="0"/>
-              <a:t>8/12/20</a:t>
+              <a:t>8/25/20</a:t>
             </a:fld>
             <a:endParaRPr lang="en-US"/>
           </a:p>
@@ -1951,7 +1956,7 @@
           <a:p>
             <a:fld id="{F495DD6A-D7CD-A84E-AF9E-C96DC67E2C2E}" type="datetimeFigureOut">
               <a:rPr lang="en-US" smtClean="0"/>
-              <a:t>8/12/20</a:t>
+              <a:t>8/25/20</a:t>
             </a:fld>
             <a:endParaRPr lang="en-US"/>
           </a:p>
@@ -2064,7 +2069,7 @@
           <a:p>
             <a:fld id="{F495DD6A-D7CD-A84E-AF9E-C96DC67E2C2E}" type="datetimeFigureOut">
               <a:rPr lang="en-US" smtClean="0"/>
-              <a:t>8/12/20</a:t>
+              <a:t>8/25/20</a:t>
             </a:fld>
             <a:endParaRPr lang="en-US"/>
           </a:p>
@@ -2375,7 +2380,7 @@
           <a:p>
             <a:fld id="{F495DD6A-D7CD-A84E-AF9E-C96DC67E2C2E}" type="datetimeFigureOut">
               <a:rPr lang="en-US" smtClean="0"/>
-              <a:t>8/12/20</a:t>
+              <a:t>8/25/20</a:t>
             </a:fld>
             <a:endParaRPr lang="en-US"/>
           </a:p>
@@ -2663,7 +2668,7 @@
           <a:p>
             <a:fld id="{F495DD6A-D7CD-A84E-AF9E-C96DC67E2C2E}" type="datetimeFigureOut">
               <a:rPr lang="en-US" smtClean="0"/>
-              <a:t>8/12/20</a:t>
+              <a:t>8/25/20</a:t>
             </a:fld>
             <a:endParaRPr lang="en-US"/>
           </a:p>
@@ -2904,7 +2909,7 @@
           <a:p>
             <a:fld id="{F495DD6A-D7CD-A84E-AF9E-C96DC67E2C2E}" type="datetimeFigureOut">
               <a:rPr lang="en-US" smtClean="0"/>
-              <a:t>8/12/20</a:t>
+              <a:t>8/25/20</a:t>
             </a:fld>
             <a:endParaRPr lang="en-US"/>
           </a:p>
@@ -3402,17 +3407,23 @@
           <p:cNvGraphicFramePr>
             <a:graphicFrameLocks noChangeAspect="1"/>
           </p:cNvGraphicFramePr>
-          <p:nvPr/>
+          <p:nvPr>
+            <p:extLst>
+              <p:ext uri="{D42A27DB-BD31-4B8C-83A1-F6EECF244321}">
+                <p14:modId xmlns:p14="http://schemas.microsoft.com/office/powerpoint/2010/main" val="3466087392"/>
+              </p:ext>
+            </p:extLst>
+          </p:nvPr>
         </p:nvGraphicFramePr>
         <p:xfrm>
-          <a:off x="0" y="0"/>
+          <a:off x="0" y="449450"/>
           <a:ext cx="5410200" cy="3556000"/>
         </p:xfrm>
         <a:graphic>
           <a:graphicData uri="http://schemas.openxmlformats.org/presentationml/2006/ole">
             <mc:AlternateContent xmlns:mc="http://schemas.openxmlformats.org/markup-compatibility/2006">
               <mc:Choice xmlns:v="urn:schemas-microsoft-com:vml" Requires="v">
-                <p:oleObj spid="_x0000_s1027" r:id="rId3" imgW="7073900" imgH="4660900" progId="Visio.Drawing.11">
+                <p:oleObj spid="_x0000_s1028" r:id="rId3" imgW="7073900" imgH="4660900" progId="Visio.Drawing.11">
                   <p:embed/>
                 </p:oleObj>
               </mc:Choice>
@@ -3442,7 +3453,7 @@
                     </p:blipFill>
                     <p:spPr bwMode="auto">
                       <a:xfrm>
-                        <a:off x="0" y="0"/>
+                        <a:off x="0" y="449450"/>
                         <a:ext cx="5410200" cy="3556000"/>
                       </a:xfrm>
                       <a:prstGeom prst="rect">
@@ -3466,6 +3477,240 @@
           </a:graphicData>
         </a:graphic>
       </p:graphicFrame>
+      <p:cxnSp>
+        <p:nvCxnSpPr>
+          <p:cNvPr id="3" name="Straight Connector 2">
+            <a:extLst>
+              <a:ext uri="{FF2B5EF4-FFF2-40B4-BE49-F238E27FC236}">
+                <a16:creationId xmlns:a16="http://schemas.microsoft.com/office/drawing/2014/main" id="{494AB44C-F2E5-D645-9E17-8D43BD8D6792}"/>
+              </a:ext>
+            </a:extLst>
+          </p:cNvPr>
+          <p:cNvCxnSpPr>
+            <a:cxnSpLocks/>
+          </p:cNvCxnSpPr>
+          <p:nvPr/>
+        </p:nvCxnSpPr>
+        <p:spPr>
+          <a:xfrm>
+            <a:off x="2634713" y="309963"/>
+            <a:ext cx="0" cy="741339"/>
+          </a:xfrm>
+          <a:prstGeom prst="line">
+            <a:avLst/>
+          </a:prstGeom>
+          <a:ln w="28575"/>
+        </p:spPr>
+        <p:style>
+          <a:lnRef idx="1">
+            <a:schemeClr val="dk1"/>
+          </a:lnRef>
+          <a:fillRef idx="0">
+            <a:schemeClr val="dk1"/>
+          </a:fillRef>
+          <a:effectRef idx="0">
+            <a:schemeClr val="dk1"/>
+          </a:effectRef>
+          <a:fontRef idx="minor">
+            <a:schemeClr val="tx1"/>
+          </a:fontRef>
+        </p:style>
+      </p:cxnSp>
+      <p:cxnSp>
+        <p:nvCxnSpPr>
+          <p:cNvPr id="6" name="Straight Connector 5">
+            <a:extLst>
+              <a:ext uri="{FF2B5EF4-FFF2-40B4-BE49-F238E27FC236}">
+                <a16:creationId xmlns:a16="http://schemas.microsoft.com/office/drawing/2014/main" id="{88E16F21-8188-6F4B-AB88-382BBD354047}"/>
+              </a:ext>
+            </a:extLst>
+          </p:cNvPr>
+          <p:cNvCxnSpPr>
+            <a:cxnSpLocks/>
+          </p:cNvCxnSpPr>
+          <p:nvPr/>
+        </p:nvCxnSpPr>
+        <p:spPr>
+          <a:xfrm>
+            <a:off x="5410200" y="309963"/>
+            <a:ext cx="0" cy="1735813"/>
+          </a:xfrm>
+          <a:prstGeom prst="line">
+            <a:avLst/>
+          </a:prstGeom>
+          <a:ln w="28575"/>
+        </p:spPr>
+        <p:style>
+          <a:lnRef idx="1">
+            <a:schemeClr val="dk1"/>
+          </a:lnRef>
+          <a:fillRef idx="0">
+            <a:schemeClr val="dk1"/>
+          </a:fillRef>
+          <a:effectRef idx="0">
+            <a:schemeClr val="dk1"/>
+          </a:effectRef>
+          <a:fontRef idx="minor">
+            <a:schemeClr val="tx1"/>
+          </a:fontRef>
+        </p:style>
+      </p:cxnSp>
+      <p:cxnSp>
+        <p:nvCxnSpPr>
+          <p:cNvPr id="7" name="Straight Connector 6">
+            <a:extLst>
+              <a:ext uri="{FF2B5EF4-FFF2-40B4-BE49-F238E27FC236}">
+                <a16:creationId xmlns:a16="http://schemas.microsoft.com/office/drawing/2014/main" id="{5292858D-63E5-B048-A141-6908C5C36A70}"/>
+              </a:ext>
+            </a:extLst>
+          </p:cNvPr>
+          <p:cNvCxnSpPr>
+            <a:cxnSpLocks/>
+          </p:cNvCxnSpPr>
+          <p:nvPr/>
+        </p:nvCxnSpPr>
+        <p:spPr>
+          <a:xfrm flipH="1">
+            <a:off x="2634713" y="309963"/>
+            <a:ext cx="2775487" cy="0"/>
+          </a:xfrm>
+          <a:prstGeom prst="line">
+            <a:avLst/>
+          </a:prstGeom>
+          <a:ln w="28575"/>
+        </p:spPr>
+        <p:style>
+          <a:lnRef idx="1">
+            <a:schemeClr val="dk1"/>
+          </a:lnRef>
+          <a:fillRef idx="0">
+            <a:schemeClr val="dk1"/>
+          </a:fillRef>
+          <a:effectRef idx="0">
+            <a:schemeClr val="dk1"/>
+          </a:effectRef>
+          <a:fontRef idx="minor">
+            <a:schemeClr val="tx1"/>
+          </a:fontRef>
+        </p:style>
+      </p:cxnSp>
+      <p:cxnSp>
+        <p:nvCxnSpPr>
+          <p:cNvPr id="12" name="Straight Connector 11">
+            <a:extLst>
+              <a:ext uri="{FF2B5EF4-FFF2-40B4-BE49-F238E27FC236}">
+                <a16:creationId xmlns:a16="http://schemas.microsoft.com/office/drawing/2014/main" id="{6DC9B19B-8660-5241-A79B-5BA5971E1A0A}"/>
+              </a:ext>
+            </a:extLst>
+          </p:cNvPr>
+          <p:cNvCxnSpPr>
+            <a:cxnSpLocks/>
+          </p:cNvCxnSpPr>
+          <p:nvPr/>
+        </p:nvCxnSpPr>
+        <p:spPr>
+          <a:xfrm flipH="1">
+            <a:off x="2599935" y="1051302"/>
+            <a:ext cx="1872707" cy="0"/>
+          </a:xfrm>
+          <a:prstGeom prst="line">
+            <a:avLst/>
+          </a:prstGeom>
+          <a:ln w="28575"/>
+        </p:spPr>
+        <p:style>
+          <a:lnRef idx="1">
+            <a:schemeClr val="dk1"/>
+          </a:lnRef>
+          <a:fillRef idx="0">
+            <a:schemeClr val="dk1"/>
+          </a:fillRef>
+          <a:effectRef idx="0">
+            <a:schemeClr val="dk1"/>
+          </a:effectRef>
+          <a:fontRef idx="minor">
+            <a:schemeClr val="tx1"/>
+          </a:fontRef>
+        </p:style>
+      </p:cxnSp>
+      <p:cxnSp>
+        <p:nvCxnSpPr>
+          <p:cNvPr id="16" name="Straight Connector 15">
+            <a:extLst>
+              <a:ext uri="{FF2B5EF4-FFF2-40B4-BE49-F238E27FC236}">
+                <a16:creationId xmlns:a16="http://schemas.microsoft.com/office/drawing/2014/main" id="{7B0E8A70-770D-D140-ACED-D72E1CD0CBF1}"/>
+              </a:ext>
+            </a:extLst>
+          </p:cNvPr>
+          <p:cNvCxnSpPr>
+            <a:cxnSpLocks/>
+          </p:cNvCxnSpPr>
+          <p:nvPr/>
+        </p:nvCxnSpPr>
+        <p:spPr>
+          <a:xfrm flipH="1">
+            <a:off x="4472643" y="2045776"/>
+            <a:ext cx="937557" cy="0"/>
+          </a:xfrm>
+          <a:prstGeom prst="line">
+            <a:avLst/>
+          </a:prstGeom>
+          <a:ln w="28575"/>
+        </p:spPr>
+        <p:style>
+          <a:lnRef idx="1">
+            <a:schemeClr val="dk1"/>
+          </a:lnRef>
+          <a:fillRef idx="0">
+            <a:schemeClr val="dk1"/>
+          </a:fillRef>
+          <a:effectRef idx="0">
+            <a:schemeClr val="dk1"/>
+          </a:effectRef>
+          <a:fontRef idx="minor">
+            <a:schemeClr val="tx1"/>
+          </a:fontRef>
+        </p:style>
+      </p:cxnSp>
+      <p:cxnSp>
+        <p:nvCxnSpPr>
+          <p:cNvPr id="18" name="Straight Connector 17">
+            <a:extLst>
+              <a:ext uri="{FF2B5EF4-FFF2-40B4-BE49-F238E27FC236}">
+                <a16:creationId xmlns:a16="http://schemas.microsoft.com/office/drawing/2014/main" id="{42A608EE-AF29-DC49-8096-9F28DB98B124}"/>
+              </a:ext>
+            </a:extLst>
+          </p:cNvPr>
+          <p:cNvCxnSpPr>
+            <a:cxnSpLocks/>
+          </p:cNvCxnSpPr>
+          <p:nvPr/>
+        </p:nvCxnSpPr>
+        <p:spPr>
+          <a:xfrm>
+            <a:off x="4472642" y="1051302"/>
+            <a:ext cx="0" cy="994474"/>
+          </a:xfrm>
+          <a:prstGeom prst="line">
+            <a:avLst/>
+          </a:prstGeom>
+          <a:ln w="28575"/>
+        </p:spPr>
+        <p:style>
+          <a:lnRef idx="1">
+            <a:schemeClr val="dk1"/>
+          </a:lnRef>
+          <a:fillRef idx="0">
+            <a:schemeClr val="dk1"/>
+          </a:fillRef>
+          <a:effectRef idx="0">
+            <a:schemeClr val="dk1"/>
+          </a:effectRef>
+          <a:fontRef idx="minor">
+            <a:schemeClr val="tx1"/>
+          </a:fontRef>
+        </p:style>
+      </p:cxnSp>
     </p:spTree>
     <p:extLst>
       <p:ext uri="{BB962C8B-B14F-4D97-AF65-F5344CB8AC3E}">
